--- a/doc/2020-09_TriXX_Otto_QConf.pptx
+++ b/doc/2020-09_TriXX_Otto_QConf.pptx
@@ -402,7 +402,7 @@
           <a:p>
             <a:fld id="{65198459-C4F2-C045-9966-EFD31D2DED12}" type="datetime1">
               <a:rPr lang="de-DE" smtClean="0"/>
-              <a:t>01.09.20</a:t>
+              <a:t>02.09.20</a:t>
             </a:fld>
             <a:endParaRPr lang="de-DE"/>
           </a:p>
@@ -568,7 +568,7 @@
           <a:p>
             <a:fld id="{DFE97338-3F22-2E45-8586-98FF6A44F26F}" type="datetime1">
               <a:rPr lang="de-DE" smtClean="0"/>
-              <a:t>01.09.20</a:t>
+              <a:t>02.09.20</a:t>
             </a:fld>
             <a:endParaRPr lang="de-DE"/>
           </a:p>
@@ -18481,6 +18481,58 @@
           </a:p>
         </p:txBody>
       </p:sp>
+      <p:sp>
+        <p:nvSpPr>
+          <p:cNvPr id="6" name="Textfeld 5">
+            <a:extLst>
+              <a:ext uri="{FF2B5EF4-FFF2-40B4-BE49-F238E27FC236}">
+                <a16:creationId xmlns:a16="http://schemas.microsoft.com/office/drawing/2014/main" id="{D251F692-1371-1548-BA3A-DB8C18A74215}"/>
+              </a:ext>
+            </a:extLst>
+          </p:cNvPr>
+          <p:cNvSpPr txBox="1"/>
+          <p:nvPr/>
+        </p:nvSpPr>
+        <p:spPr>
+          <a:xfrm>
+            <a:off x="1140903" y="3821628"/>
+            <a:ext cx="7113864" cy="914400"/>
+          </a:xfrm>
+          <a:prstGeom prst="rect">
+            <a:avLst/>
+          </a:prstGeom>
+        </p:spPr>
+        <p:txBody>
+          <a:bodyPr vert="horz" wrap="none" lIns="0" tIns="0" rIns="0" bIns="0" rtlCol="0">
+            <a:noAutofit/>
+          </a:bodyPr>
+          <a:lstStyle/>
+          <a:p>
+            <a:r>
+              <a:rPr lang="de-DE" dirty="0"/>
+              <a:t>Fahrplan mit einzelnen </a:t>
+            </a:r>
+            <a:r>
+              <a:rPr lang="de-DE" dirty="0" err="1"/>
+              <a:t>Steps</a:t>
+            </a:r>
+            <a:r>
+              <a:rPr lang="de-DE" dirty="0"/>
+              <a:t> der Demo:	</a:t>
+            </a:r>
+            <a:r>
+              <a:rPr lang="de-DE" dirty="0">
+                <a:hlinkClick r:id="rId2"/>
+              </a:rPr>
+              <a:t>https://bit.ly/31Qq87v</a:t>
+            </a:r>
+            <a:endParaRPr lang="de-DE" dirty="0"/>
+          </a:p>
+          <a:p>
+            <a:endParaRPr lang="de-DE" dirty="0"/>
+          </a:p>
+        </p:txBody>
+      </p:sp>
     </p:spTree>
     <p:extLst>
       <p:ext uri="{BB962C8B-B14F-4D97-AF65-F5344CB8AC3E}">
@@ -18523,7 +18575,7 @@
         </p:nvSpPr>
         <p:spPr>
           <a:xfrm>
-            <a:off x="383118" y="1218143"/>
+            <a:off x="307618" y="849027"/>
             <a:ext cx="8370590" cy="789575"/>
           </a:xfrm>
         </p:spPr>
@@ -18531,6 +18583,7 @@
           <a:bodyPr/>
           <a:lstStyle/>
           <a:p>
+            <a:pPr algn="ctr"/>
             <a:r>
               <a:rPr lang="de-DE" dirty="0"/>
               <a:t>Vielen Dank für Euer Interesse</a:t>
@@ -18546,61 +18599,40 @@
             </a:br>
             <a:r>
               <a:rPr lang="de-DE" sz="2400" dirty="0"/>
-              <a:t>Vortrag zum Download </a:t>
+              <a:t>Vortrag zum Download 	</a:t>
             </a:r>
             <a:r>
               <a:rPr lang="de-DE" sz="2400" dirty="0">
                 <a:hlinkClick r:id="rId3"/>
               </a:rPr>
-              <a:t>http://bit.ly/xyz</a:t>
-            </a:r>
-            <a:r>
-              <a:rPr lang="de-DE" sz="2400" dirty="0"/>
-              <a:t> (</a:t>
-            </a:r>
-            <a:r>
-              <a:rPr lang="de-DE" sz="2400" dirty="0" err="1"/>
-              <a:t>ToDo</a:t>
-            </a:r>
-            <a:r>
-              <a:rPr lang="de-DE" sz="2400" dirty="0"/>
-              <a:t>: </a:t>
-            </a:r>
-            <a:r>
-              <a:rPr lang="de-DE" sz="2400" dirty="0" err="1"/>
-              <a:t>Slideshare</a:t>
-            </a:r>
-            <a:r>
-              <a:rPr lang="de-DE" sz="2400" dirty="0"/>
-              <a:t>)</a:t>
+              <a:t>https://bit.ly/2DlC7AE</a:t>
             </a:r>
             <a:br>
               <a:rPr lang="de-DE" sz="2400" dirty="0"/>
             </a:br>
             <a:r>
               <a:rPr lang="de-DE" sz="2400" dirty="0"/>
-              <a:t>TriXX-Dokumentation: 	 https://</a:t>
-            </a:r>
-            <a:r>
-              <a:rPr lang="de-DE" sz="2400" dirty="0" err="1"/>
-              <a:t>main.git.osp-dd.de</a:t>
-            </a:r>
-            <a:r>
+              <a:t>							</a:t>
+            </a:r>
+            <a:br>
               <a:rPr lang="de-DE" sz="2400" dirty="0"/>
-              <a:t>/</a:t>
-            </a:r>
-            <a:r>
-              <a:rPr lang="de-DE" sz="2400" dirty="0" err="1"/>
-              <a:t>trixx</a:t>
-            </a:r>
+            </a:br>
             <a:r>
               <a:rPr lang="de-DE" sz="2400" dirty="0"/>
-              <a:t>/</a:t>
-            </a:r>
-            <a:r>
-              <a:rPr lang="de-DE" sz="2400" dirty="0" err="1"/>
-              <a:t>trixx.html</a:t>
-            </a:r>
+              <a:t>TriXX-Dokumentation: 	 	</a:t>
+            </a:r>
+            <a:r>
+              <a:rPr lang="de-DE" sz="2400" dirty="0">
+                <a:hlinkClick r:id="rId4"/>
+              </a:rPr>
+              <a:t>https://bit.ly/3jF1XPD</a:t>
+            </a:r>
+            <a:br>
+              <a:rPr lang="de-DE" sz="2400" dirty="0"/>
+            </a:br>
+            <a:br>
+              <a:rPr lang="de-DE" sz="2400" dirty="0"/>
+            </a:br>
             <a:br>
               <a:rPr lang="de-DE" sz="2400" dirty="0"/>
             </a:br>
@@ -18671,7 +18703,7 @@
                 <a:solidFill>
                   <a:srgbClr val="313231"/>
                 </a:solidFill>
-                <a:hlinkClick r:id="rId4"/>
+                <a:hlinkClick r:id="rId5"/>
               </a:rPr>
               <a:t>osp.de</a:t>
             </a:r>

--- a/doc/2020-09_TriXX_Otto_QConf.pptx
+++ b/doc/2020-09_TriXX_Otto_QConf.pptx
@@ -402,7 +402,7 @@
           <a:p>
             <a:fld id="{65198459-C4F2-C045-9966-EFD31D2DED12}" type="datetime1">
               <a:rPr lang="de-DE" smtClean="0"/>
-              <a:t>02.09.20</a:t>
+              <a:t>07.09.20</a:t>
             </a:fld>
             <a:endParaRPr lang="de-DE"/>
           </a:p>
@@ -568,7 +568,7 @@
           <a:p>
             <a:fld id="{DFE97338-3F22-2E45-8586-98FF6A44F26F}" type="datetime1">
               <a:rPr lang="de-DE" smtClean="0"/>
-              <a:t>02.09.20</a:t>
+              <a:t>07.09.20</a:t>
             </a:fld>
             <a:endParaRPr lang="de-DE"/>
           </a:p>
@@ -1044,6 +1044,90 @@
 </file>
 
 <file path=ppt/notesSlides/notesSlide2.xml><?xml version="1.0" encoding="utf-8"?>
+<p:notes xmlns:a="http://schemas.openxmlformats.org/drawingml/2006/main" xmlns:r="http://schemas.openxmlformats.org/officeDocument/2006/relationships" xmlns:p="http://schemas.openxmlformats.org/presentationml/2006/main">
+  <p:cSld>
+    <p:spTree>
+      <p:nvGrpSpPr>
+        <p:cNvPr id="1" name=""/>
+        <p:cNvGrpSpPr/>
+        <p:nvPr/>
+      </p:nvGrpSpPr>
+      <p:grpSpPr>
+        <a:xfrm>
+          <a:off x="0" y="0"/>
+          <a:ext cx="0" cy="0"/>
+          <a:chOff x="0" y="0"/>
+          <a:chExt cx="0" cy="0"/>
+        </a:xfrm>
+      </p:grpSpPr>
+      <p:sp>
+        <p:nvSpPr>
+          <p:cNvPr id="2" name="Folienbildplatzhalter 1"/>
+          <p:cNvSpPr>
+            <a:spLocks noGrp="1" noRot="1" noChangeAspect="1"/>
+          </p:cNvSpPr>
+          <p:nvPr>
+            <p:ph type="sldImg"/>
+          </p:nvPr>
+        </p:nvSpPr>
+        <p:spPr/>
+      </p:sp>
+      <p:sp>
+        <p:nvSpPr>
+          <p:cNvPr id="3" name="Notizenplatzhalter 2"/>
+          <p:cNvSpPr>
+            <a:spLocks noGrp="1"/>
+          </p:cNvSpPr>
+          <p:nvPr>
+            <p:ph type="body" idx="1"/>
+          </p:nvPr>
+        </p:nvSpPr>
+        <p:spPr/>
+        <p:txBody>
+          <a:bodyPr/>
+          <a:lstStyle/>
+          <a:p>
+            <a:endParaRPr lang="de-DE" dirty="0"/>
+          </a:p>
+        </p:txBody>
+      </p:sp>
+      <p:sp>
+        <p:nvSpPr>
+          <p:cNvPr id="4" name="Foliennummernplatzhalter 3"/>
+          <p:cNvSpPr>
+            <a:spLocks noGrp="1"/>
+          </p:cNvSpPr>
+          <p:nvPr>
+            <p:ph type="sldNum" sz="quarter" idx="5"/>
+          </p:nvPr>
+        </p:nvSpPr>
+        <p:spPr/>
+        <p:txBody>
+          <a:bodyPr/>
+          <a:lstStyle/>
+          <a:p>
+            <a:fld id="{636B5682-7B65-4740-A04A-D1EDC2EC6356}" type="slidenum">
+              <a:rPr lang="de-DE" smtClean="0"/>
+              <a:t>12</a:t>
+            </a:fld>
+            <a:endParaRPr lang="de-DE"/>
+          </a:p>
+        </p:txBody>
+      </p:sp>
+    </p:spTree>
+    <p:extLst>
+      <p:ext uri="{BB962C8B-B14F-4D97-AF65-F5344CB8AC3E}">
+        <p14:creationId xmlns:p14="http://schemas.microsoft.com/office/powerpoint/2010/main" val="570867473"/>
+      </p:ext>
+    </p:extLst>
+  </p:cSld>
+  <p:clrMapOvr>
+    <a:masterClrMapping/>
+  </p:clrMapOvr>
+</p:notes>
+</file>
+
+<file path=ppt/notesSlides/notesSlide3.xml><?xml version="1.0" encoding="utf-8"?>
 <p:notes xmlns:a="http://schemas.openxmlformats.org/drawingml/2006/main" xmlns:r="http://schemas.openxmlformats.org/officeDocument/2006/relationships" xmlns:p="http://schemas.openxmlformats.org/presentationml/2006/main">
   <p:cSld>
     <p:spTree>
@@ -11985,7 +12069,7 @@
         <p:spPr>
           <a:xfrm>
             <a:off x="260137" y="972866"/>
-            <a:ext cx="8623725" cy="4094083"/>
+            <a:ext cx="8623725" cy="3942911"/>
           </a:xfrm>
           <a:prstGeom prst="rect">
             <a:avLst/>
@@ -12188,12 +12272,9 @@
                 <a:tab pos="258763" algn="l"/>
               </a:tabLst>
             </a:pPr>
-            <a:r>
-              <a:rPr lang="de-DE" sz="1200" dirty="0">
-                <a:latin typeface="Courier" pitchFamily="2" charset="0"/>
-              </a:rPr>
-              <a:t>CREATE OR REPLACE TRIGGER T1 FOR INSERT ON SCHEMA.TABLE COMPOUND TRIGGER</a:t>
-            </a:r>
+            <a:endParaRPr lang="de-DE" sz="200" dirty="0">
+              <a:latin typeface="Courier" pitchFamily="2" charset="0"/>
+            </a:endParaRPr>
           </a:p>
           <a:p>
             <a:pPr marL="90488" indent="-1588">
@@ -12203,411 +12284,425 @@
               </a:tabLst>
             </a:pPr>
             <a:r>
-              <a:rPr lang="de-DE" sz="1200" dirty="0">
+              <a:rPr lang="de-DE" sz="1100" dirty="0">
                 <a:latin typeface="Courier" pitchFamily="2" charset="0"/>
               </a:rPr>
+              <a:t>CREATE OR REPLACE TRIGGER T1 FOR INSERT ON SCHEMA.TABLE COMPOUND TRIGGER</a:t>
+            </a:r>
+          </a:p>
+          <a:p>
+            <a:pPr marL="90488" indent="-1588">
+              <a:buNone/>
+              <a:tabLst>
+                <a:tab pos="258763" algn="l"/>
+              </a:tabLst>
+            </a:pPr>
+            <a:r>
+              <a:rPr lang="de-DE" sz="1100" dirty="0">
+                <a:latin typeface="Courier" pitchFamily="2" charset="0"/>
+              </a:rPr>
               <a:t>… /* Deklariere Memory-Collection </a:t>
             </a:r>
             <a:r>
-              <a:rPr lang="de-DE" sz="1200" dirty="0" err="1">
+              <a:rPr lang="de-DE" sz="1100" dirty="0" err="1">
                 <a:latin typeface="Courier" pitchFamily="2" charset="0"/>
               </a:rPr>
               <a:t>payload_tab</a:t>
             </a:r>
             <a:r>
-              <a:rPr lang="de-DE" sz="1200" dirty="0">
+              <a:rPr lang="de-DE" sz="1100" dirty="0">
                 <a:latin typeface="Courier" pitchFamily="2" charset="0"/>
               </a:rPr>
               <a:t> */</a:t>
             </a:r>
             <a:br>
-              <a:rPr lang="de-DE" sz="1200" dirty="0">
+              <a:rPr lang="de-DE" sz="1100" dirty="0">
                 <a:latin typeface="Courier" pitchFamily="2" charset="0"/>
               </a:rPr>
             </a:br>
             <a:br>
-              <a:rPr lang="de-DE" sz="1200" dirty="0">
+              <a:rPr lang="de-DE" sz="1100" dirty="0">
                 <a:latin typeface="Courier" pitchFamily="2" charset="0"/>
               </a:rPr>
             </a:br>
             <a:r>
-              <a:rPr lang="de-DE" sz="1200" dirty="0">
+              <a:rPr lang="de-DE" sz="1100" dirty="0">
                 <a:latin typeface="Courier" pitchFamily="2" charset="0"/>
               </a:rPr>
               <a:t>PROCEDURE </a:t>
             </a:r>
             <a:r>
-              <a:rPr lang="de-DE" sz="1200" dirty="0" err="1">
+              <a:rPr lang="de-DE" sz="1100" dirty="0" err="1">
                 <a:latin typeface="Courier" pitchFamily="2" charset="0"/>
               </a:rPr>
               <a:t>Flush</a:t>
             </a:r>
             <a:r>
-              <a:rPr lang="de-DE" sz="1200" dirty="0">
+              <a:rPr lang="de-DE" sz="1100" dirty="0">
                 <a:latin typeface="Courier" pitchFamily="2" charset="0"/>
               </a:rPr>
               <a:t> IS</a:t>
             </a:r>
             <a:br>
-              <a:rPr lang="de-DE" sz="1200" dirty="0">
+              <a:rPr lang="de-DE" sz="1100" dirty="0">
                 <a:latin typeface="Courier" pitchFamily="2" charset="0"/>
               </a:rPr>
             </a:br>
             <a:r>
-              <a:rPr lang="de-DE" sz="1200" dirty="0">
+              <a:rPr lang="de-DE" sz="1100" dirty="0">
                 <a:latin typeface="Courier" pitchFamily="2" charset="0"/>
               </a:rPr>
               <a:t>BEGIN</a:t>
             </a:r>
             <a:br>
-              <a:rPr lang="de-DE" sz="1200" dirty="0">
+              <a:rPr lang="de-DE" sz="1100" dirty="0">
                 <a:latin typeface="Courier" pitchFamily="2" charset="0"/>
               </a:rPr>
             </a:br>
             <a:r>
-              <a:rPr lang="de-DE" sz="1200" dirty="0">
+              <a:rPr lang="de-DE" sz="1100" dirty="0">
                 <a:latin typeface="Courier" pitchFamily="2" charset="0"/>
               </a:rPr>
               <a:t>  … /* Schreibe Memory-Collection </a:t>
             </a:r>
             <a:r>
-              <a:rPr lang="de-DE" sz="1200" dirty="0" err="1">
+              <a:rPr lang="de-DE" sz="1100" dirty="0" err="1">
                 <a:latin typeface="Courier" pitchFamily="2" charset="0"/>
               </a:rPr>
               <a:t>payload_tab</a:t>
             </a:r>
             <a:r>
-              <a:rPr lang="de-DE" sz="1200" dirty="0">
+              <a:rPr lang="de-DE" sz="1100" dirty="0">
                 <a:latin typeface="Courier" pitchFamily="2" charset="0"/>
               </a:rPr>
               <a:t> in </a:t>
             </a:r>
             <a:r>
-              <a:rPr lang="de-DE" sz="1200" dirty="0" err="1">
+              <a:rPr lang="de-DE" sz="1100" dirty="0" err="1">
                 <a:latin typeface="Courier" pitchFamily="2" charset="0"/>
               </a:rPr>
               <a:t>Event_Log-table</a:t>
             </a:r>
             <a:r>
-              <a:rPr lang="de-DE" sz="1200" dirty="0">
+              <a:rPr lang="de-DE" sz="1100" dirty="0">
                 <a:latin typeface="Courier" pitchFamily="2" charset="0"/>
               </a:rPr>
               <a:t> */</a:t>
             </a:r>
             <a:br>
-              <a:rPr lang="de-DE" sz="1200" dirty="0">
+              <a:rPr lang="de-DE" sz="1100" dirty="0">
                 <a:latin typeface="Courier" pitchFamily="2" charset="0"/>
               </a:rPr>
             </a:br>
             <a:r>
-              <a:rPr lang="de-DE" sz="1200" dirty="0">
+              <a:rPr lang="de-DE" sz="1100" dirty="0">
                 <a:latin typeface="Courier" pitchFamily="2" charset="0"/>
               </a:rPr>
               <a:t>END </a:t>
             </a:r>
             <a:r>
-              <a:rPr lang="de-DE" sz="1200" dirty="0" err="1">
+              <a:rPr lang="de-DE" sz="1100" dirty="0" err="1">
                 <a:latin typeface="Courier" pitchFamily="2" charset="0"/>
               </a:rPr>
               <a:t>Flush</a:t>
             </a:r>
             <a:r>
-              <a:rPr lang="de-DE" sz="1200" dirty="0">
+              <a:rPr lang="de-DE" sz="1100" dirty="0">
                 <a:latin typeface="Courier" pitchFamily="2" charset="0"/>
               </a:rPr>
               <a:t>;</a:t>
             </a:r>
             <a:br>
-              <a:rPr lang="de-DE" sz="1200" dirty="0">
+              <a:rPr lang="de-DE" sz="1100" dirty="0">
                 <a:latin typeface="Courier" pitchFamily="2" charset="0"/>
               </a:rPr>
             </a:br>
             <a:br>
-              <a:rPr lang="de-DE" sz="1200" dirty="0">
+              <a:rPr lang="de-DE" sz="1100" dirty="0">
                 <a:latin typeface="Courier" pitchFamily="2" charset="0"/>
               </a:rPr>
             </a:br>
             <a:r>
-              <a:rPr lang="de-DE" sz="1200" dirty="0">
+              <a:rPr lang="de-DE" sz="1100" dirty="0">
                 <a:latin typeface="Courier" pitchFamily="2" charset="0"/>
               </a:rPr>
               <a:t>BEFORE STATEMENT IS</a:t>
             </a:r>
             <a:br>
-              <a:rPr lang="de-DE" sz="1200" dirty="0">
+              <a:rPr lang="de-DE" sz="1100" dirty="0">
                 <a:latin typeface="Courier" pitchFamily="2" charset="0"/>
               </a:rPr>
             </a:br>
             <a:r>
-              <a:rPr lang="de-DE" sz="1200" dirty="0">
+              <a:rPr lang="de-DE" sz="1100" dirty="0">
                 <a:latin typeface="Courier" pitchFamily="2" charset="0"/>
               </a:rPr>
               <a:t>BEGIN</a:t>
             </a:r>
             <a:br>
-              <a:rPr lang="de-DE" sz="1200" dirty="0">
+              <a:rPr lang="de-DE" sz="1100" dirty="0">
                 <a:latin typeface="Courier" pitchFamily="2" charset="0"/>
               </a:rPr>
             </a:br>
             <a:r>
-              <a:rPr lang="de-DE" sz="1200" dirty="0">
+              <a:rPr lang="de-DE" sz="1100" dirty="0">
                 <a:latin typeface="Courier" pitchFamily="2" charset="0"/>
               </a:rPr>
               <a:t>  </a:t>
             </a:r>
             <a:r>
-              <a:rPr lang="de-DE" sz="1200" dirty="0" err="1">
+              <a:rPr lang="de-DE" sz="1100" dirty="0" err="1">
                 <a:latin typeface="Courier" pitchFamily="2" charset="0"/>
               </a:rPr>
               <a:t>payload_tab.DELETE</a:t>
             </a:r>
             <a:r>
-              <a:rPr lang="de-DE" sz="1200" dirty="0">
+              <a:rPr lang="de-DE" sz="1100" dirty="0">
                 <a:latin typeface="Courier" pitchFamily="2" charset="0"/>
               </a:rPr>
               <a:t>; /* </a:t>
             </a:r>
             <a:r>
-              <a:rPr lang="de-DE" sz="1200" dirty="0" err="1">
+              <a:rPr lang="de-DE" sz="1100" dirty="0" err="1">
                 <a:latin typeface="Courier" pitchFamily="2" charset="0"/>
               </a:rPr>
               <a:t>remove</a:t>
             </a:r>
             <a:r>
-              <a:rPr lang="de-DE" sz="1200" dirty="0">
+              <a:rPr lang="de-DE" sz="1100" dirty="0">
                 <a:latin typeface="Courier" pitchFamily="2" charset="0"/>
               </a:rPr>
               <a:t> </a:t>
             </a:r>
             <a:r>
-              <a:rPr lang="de-DE" sz="1200" dirty="0" err="1">
+              <a:rPr lang="de-DE" sz="1100" dirty="0" err="1">
                 <a:latin typeface="Courier" pitchFamily="2" charset="0"/>
               </a:rPr>
               <a:t>possible</a:t>
             </a:r>
             <a:r>
-              <a:rPr lang="de-DE" sz="1200" dirty="0">
+              <a:rPr lang="de-DE" sz="1100" dirty="0">
                 <a:latin typeface="Courier" pitchFamily="2" charset="0"/>
               </a:rPr>
               <a:t> </a:t>
             </a:r>
             <a:r>
-              <a:rPr lang="de-DE" sz="1200" dirty="0" err="1">
+              <a:rPr lang="de-DE" sz="1100" dirty="0" err="1">
                 <a:latin typeface="Courier" pitchFamily="2" charset="0"/>
               </a:rPr>
               <a:t>fragments</a:t>
             </a:r>
             <a:r>
-              <a:rPr lang="de-DE" sz="1200" dirty="0">
+              <a:rPr lang="de-DE" sz="1100" dirty="0">
                 <a:latin typeface="Courier" pitchFamily="2" charset="0"/>
               </a:rPr>
               <a:t> </a:t>
             </a:r>
             <a:r>
-              <a:rPr lang="de-DE" sz="1200" dirty="0" err="1">
+              <a:rPr lang="de-DE" sz="1100" dirty="0" err="1">
                 <a:latin typeface="Courier" pitchFamily="2" charset="0"/>
               </a:rPr>
               <a:t>of</a:t>
             </a:r>
             <a:r>
-              <a:rPr lang="de-DE" sz="1200" dirty="0">
+              <a:rPr lang="de-DE" sz="1100" dirty="0">
                 <a:latin typeface="Courier" pitchFamily="2" charset="0"/>
               </a:rPr>
               <a:t> </a:t>
             </a:r>
             <a:r>
-              <a:rPr lang="de-DE" sz="1200" dirty="0" err="1">
+              <a:rPr lang="de-DE" sz="1100" dirty="0" err="1">
                 <a:latin typeface="Courier" pitchFamily="2" charset="0"/>
               </a:rPr>
               <a:t>previous</a:t>
             </a:r>
             <a:r>
-              <a:rPr lang="de-DE" sz="1200" dirty="0">
+              <a:rPr lang="de-DE" sz="1100" dirty="0">
                 <a:latin typeface="Courier" pitchFamily="2" charset="0"/>
               </a:rPr>
               <a:t> </a:t>
             </a:r>
             <a:r>
-              <a:rPr lang="de-DE" sz="1200" dirty="0" err="1">
+              <a:rPr lang="de-DE" sz="1100" dirty="0" err="1">
                 <a:latin typeface="Courier" pitchFamily="2" charset="0"/>
               </a:rPr>
               <a:t>transactions</a:t>
             </a:r>
             <a:r>
-              <a:rPr lang="de-DE" sz="1200" dirty="0">
+              <a:rPr lang="de-DE" sz="1100" dirty="0">
                 <a:latin typeface="Courier" pitchFamily="2" charset="0"/>
               </a:rPr>
               <a:t> */</a:t>
             </a:r>
             <a:br>
-              <a:rPr lang="de-DE" sz="1200" dirty="0">
+              <a:rPr lang="de-DE" sz="1100" dirty="0">
                 <a:latin typeface="Courier" pitchFamily="2" charset="0"/>
               </a:rPr>
             </a:br>
             <a:r>
-              <a:rPr lang="de-DE" sz="1200" dirty="0">
+              <a:rPr lang="de-DE" sz="1100" dirty="0">
                 <a:latin typeface="Courier" pitchFamily="2" charset="0"/>
               </a:rPr>
               <a:t>END BEFORE STATEMENT;</a:t>
             </a:r>
             <a:br>
-              <a:rPr lang="de-DE" sz="1200" dirty="0">
+              <a:rPr lang="de-DE" sz="1100" dirty="0">
                 <a:latin typeface="Courier" pitchFamily="2" charset="0"/>
               </a:rPr>
             </a:br>
             <a:br>
-              <a:rPr lang="de-DE" sz="1200" dirty="0">
+              <a:rPr lang="de-DE" sz="1100" dirty="0">
                 <a:latin typeface="Courier" pitchFamily="2" charset="0"/>
               </a:rPr>
             </a:br>
             <a:r>
-              <a:rPr lang="de-DE" sz="1200" dirty="0">
+              <a:rPr lang="de-DE" sz="1100" dirty="0">
                 <a:latin typeface="Courier" pitchFamily="2" charset="0"/>
               </a:rPr>
               <a:t>AFTER EACH ROW IS</a:t>
             </a:r>
             <a:br>
-              <a:rPr lang="de-DE" sz="1200" dirty="0">
+              <a:rPr lang="de-DE" sz="1100" dirty="0">
                 <a:latin typeface="Courier" pitchFamily="2" charset="0"/>
               </a:rPr>
             </a:br>
             <a:r>
-              <a:rPr lang="de-DE" sz="1200" dirty="0">
+              <a:rPr lang="de-DE" sz="1100" dirty="0">
                 <a:latin typeface="Courier" pitchFamily="2" charset="0"/>
               </a:rPr>
               <a:t>BEGIN</a:t>
             </a:r>
             <a:br>
-              <a:rPr lang="de-DE" sz="1200" dirty="0">
+              <a:rPr lang="de-DE" sz="1100" dirty="0">
                 <a:latin typeface="Courier" pitchFamily="2" charset="0"/>
               </a:rPr>
             </a:br>
             <a:r>
-              <a:rPr lang="de-DE" sz="1200" dirty="0">
+              <a:rPr lang="de-DE" sz="1100" dirty="0">
                 <a:latin typeface="Courier" pitchFamily="2" charset="0"/>
               </a:rPr>
               <a:t>  … /* Schreibe JSON-</a:t>
             </a:r>
             <a:r>
-              <a:rPr lang="de-DE" sz="1200" dirty="0" err="1">
+              <a:rPr lang="de-DE" sz="1100" dirty="0" err="1">
                 <a:latin typeface="Courier" pitchFamily="2" charset="0"/>
               </a:rPr>
               <a:t>Record</a:t>
             </a:r>
             <a:r>
-              <a:rPr lang="de-DE" sz="1200" dirty="0">
+              <a:rPr lang="de-DE" sz="1100" dirty="0">
                 <a:latin typeface="Courier" pitchFamily="2" charset="0"/>
               </a:rPr>
               <a:t> in Memory-Collection, </a:t>
             </a:r>
             <a:r>
-              <a:rPr lang="de-DE" sz="1200" dirty="0" err="1">
+              <a:rPr lang="de-DE" sz="1100" dirty="0" err="1">
                 <a:latin typeface="Courier" pitchFamily="2" charset="0"/>
               </a:rPr>
               <a:t>Flush</a:t>
             </a:r>
             <a:r>
-              <a:rPr lang="de-DE" sz="1200" dirty="0">
+              <a:rPr lang="de-DE" sz="1100" dirty="0">
                 <a:latin typeface="Courier" pitchFamily="2" charset="0"/>
               </a:rPr>
               <a:t> wenn &gt; 1000 Records */</a:t>
             </a:r>
             <a:br>
-              <a:rPr lang="de-DE" sz="1200" dirty="0">
+              <a:rPr lang="de-DE" sz="1100" dirty="0">
                 <a:latin typeface="Courier" pitchFamily="2" charset="0"/>
               </a:rPr>
             </a:br>
             <a:r>
-              <a:rPr lang="de-DE" sz="1200" dirty="0">
+              <a:rPr lang="de-DE" sz="1100" dirty="0">
                 <a:latin typeface="Courier" pitchFamily="2" charset="0"/>
               </a:rPr>
               <a:t>END AFTER EACH ROW;</a:t>
             </a:r>
             <a:br>
-              <a:rPr lang="de-DE" sz="1200" dirty="0">
+              <a:rPr lang="de-DE" sz="1100" dirty="0">
                 <a:latin typeface="Courier" pitchFamily="2" charset="0"/>
               </a:rPr>
             </a:br>
             <a:br>
-              <a:rPr lang="de-DE" sz="1200" dirty="0">
+              <a:rPr lang="de-DE" sz="1100" dirty="0">
                 <a:latin typeface="Courier" pitchFamily="2" charset="0"/>
               </a:rPr>
             </a:br>
             <a:r>
-              <a:rPr lang="de-DE" sz="1200" dirty="0">
+              <a:rPr lang="de-DE" sz="1100" dirty="0">
                 <a:latin typeface="Courier" pitchFamily="2" charset="0"/>
               </a:rPr>
               <a:t>AFTER STATEMENT IS</a:t>
             </a:r>
             <a:br>
-              <a:rPr lang="de-DE" sz="1200" dirty="0">
+              <a:rPr lang="de-DE" sz="1100" dirty="0">
                 <a:latin typeface="Courier" pitchFamily="2" charset="0"/>
               </a:rPr>
             </a:br>
             <a:r>
-              <a:rPr lang="de-DE" sz="1200" dirty="0">
+              <a:rPr lang="de-DE" sz="1100" dirty="0">
                 <a:latin typeface="Courier" pitchFamily="2" charset="0"/>
               </a:rPr>
               <a:t>BEGIN</a:t>
             </a:r>
             <a:br>
-              <a:rPr lang="de-DE" sz="1200" dirty="0">
+              <a:rPr lang="de-DE" sz="1100" dirty="0">
                 <a:latin typeface="Courier" pitchFamily="2" charset="0"/>
               </a:rPr>
             </a:br>
             <a:r>
-              <a:rPr lang="de-DE" sz="1200" dirty="0">
+              <a:rPr lang="de-DE" sz="1100" dirty="0">
                 <a:latin typeface="Courier" pitchFamily="2" charset="0"/>
               </a:rPr>
               <a:t>  </a:t>
             </a:r>
             <a:r>
-              <a:rPr lang="de-DE" sz="1200" dirty="0" err="1">
+              <a:rPr lang="de-DE" sz="1100" dirty="0" err="1">
                 <a:latin typeface="Courier" pitchFamily="2" charset="0"/>
               </a:rPr>
               <a:t>Flush</a:t>
             </a:r>
             <a:r>
-              <a:rPr lang="de-DE" sz="1200" dirty="0">
+              <a:rPr lang="de-DE" sz="1100" dirty="0">
                 <a:latin typeface="Courier" pitchFamily="2" charset="0"/>
               </a:rPr>
               <a:t>; /* </a:t>
             </a:r>
             <a:r>
-              <a:rPr lang="de-DE" sz="1200" dirty="0" err="1">
+              <a:rPr lang="de-DE" sz="1100" dirty="0" err="1">
                 <a:latin typeface="Courier" pitchFamily="2" charset="0"/>
               </a:rPr>
               <a:t>Flush</a:t>
             </a:r>
             <a:r>
-              <a:rPr lang="de-DE" sz="1200" dirty="0">
+              <a:rPr lang="de-DE" sz="1100" dirty="0">
                 <a:latin typeface="Courier" pitchFamily="2" charset="0"/>
               </a:rPr>
               <a:t> Collection in Table */</a:t>
             </a:r>
             <a:br>
-              <a:rPr lang="de-DE" sz="1200" dirty="0">
+              <a:rPr lang="de-DE" sz="1100" dirty="0">
                 <a:latin typeface="Courier" pitchFamily="2" charset="0"/>
               </a:rPr>
             </a:br>
             <a:r>
-              <a:rPr lang="de-DE" sz="1200" dirty="0">
+              <a:rPr lang="de-DE" sz="1100" dirty="0">
                 <a:latin typeface="Courier" pitchFamily="2" charset="0"/>
               </a:rPr>
               <a:t>END AFTER STATEMENT;</a:t>
             </a:r>
             <a:br>
-              <a:rPr lang="de-DE" sz="1200" dirty="0">
+              <a:rPr lang="de-DE" sz="1100" dirty="0">
                 <a:latin typeface="Courier" pitchFamily="2" charset="0"/>
               </a:rPr>
             </a:br>
             <a:br>
-              <a:rPr lang="de-DE" sz="1200" dirty="0">
+              <a:rPr lang="de-DE" sz="1100" dirty="0">
                 <a:latin typeface="Courier" pitchFamily="2" charset="0"/>
               </a:rPr>
             </a:br>
             <a:r>
-              <a:rPr lang="de-DE" sz="1200" dirty="0">
+              <a:rPr lang="de-DE" sz="1100" dirty="0">
                 <a:latin typeface="Courier" pitchFamily="2" charset="0"/>
               </a:rPr>
               <a:t>END T1;</a:t>
@@ -16400,7 +16495,7 @@
               <a:rPr lang="de-DE" dirty="0">
                 <a:latin typeface="+mn-lt"/>
               </a:rPr>
-              <a:t>Verbesserte in Nutzbarkeit und Informationsgehalt </a:t>
+              <a:t>Verbesserung in Nutzbarkeit und Informationsgehalt </a:t>
             </a:r>
           </a:p>
           <a:p>
@@ -18510,7 +18605,7 @@
           <a:p>
             <a:r>
               <a:rPr lang="de-DE" dirty="0"/>
-              <a:t>Fahrplan mit einzelnen </a:t>
+              <a:t>Roadmap mit einzelnen </a:t>
             </a:r>
             <a:r>
               <a:rPr lang="de-DE" dirty="0" err="1"/>
@@ -19605,7 +19700,7 @@
               <a:rPr lang="de-DE" dirty="0">
                 <a:latin typeface="+mn-lt"/>
               </a:rPr>
-              <a:t>Bereitstellen eines HTML-GUIs zur Konfiguration der zu observierenden Tabellen</a:t>
+              <a:t>Bereitstellen eines Web-UI zur Konfiguration der zu observierenden Tabellen</a:t>
             </a:r>
           </a:p>
           <a:p>
@@ -23328,7 +23423,7 @@
                 <a:ea typeface="Calibri" charset="0"/>
                 <a:cs typeface="Calibri" charset="0"/>
               </a:rPr>
-              <a:t>Eigenes Schema für TriXX in Quell-DB, keine Objekte oder Operationen außerhalb dieses Schemas, damit kein Struktur-Impact auf die ‚abzuschöpfende‘ Applikation</a:t>
+              <a:t>Eigenes Schema für TriXX in Quell-DB, keine Objekte oder Operationen außerhalb dieses Schemas, =&gt; damit kein Struktur-Impact auf die ‚abzuschöpfende‘ Applikation</a:t>
             </a:r>
           </a:p>
           <a:p>
@@ -23337,25 +23432,18 @@
               <a:rPr lang="de-DE" dirty="0">
                 <a:latin typeface="+mn-lt"/>
               </a:rPr>
-              <a:t>Puffern der zu übertragenden Change Events durch Trigger in lokaler Tabelle der DB im TriXX-Schema, damit keine Abhängigkeit der Event-auslösenden Transaktionen von externen Ressourcen wie TriXX-Applikation oder Kafka</a:t>
-            </a:r>
-          </a:p>
-          <a:p>
-            <a:pPr marL="374650" indent="-285750"/>
-            <a:r>
+              <a:t>Puffern der zu übertragenden Change Events durch Trigger in lokaler Tabelle der DB im TriXX-Schema</a:t>
+            </a:r>
+            <a:br>
               <a:rPr lang="de-DE" dirty="0">
                 <a:latin typeface="+mn-lt"/>
               </a:rPr>
-              <a:t>Zur auslösenden Transaktion asynchrone Übertragung der Events aus Puffer-Tabelle nach Kafka</a:t>
-            </a:r>
-          </a:p>
-          <a:p>
-            <a:pPr marL="644525" lvl="1" indent="-285750"/>
+            </a:br>
             <a:r>
               <a:rPr lang="de-DE" dirty="0">
                 <a:latin typeface="+mn-lt"/>
               </a:rPr>
-              <a:t>Skalierbare Anzahl paralleler Threads zur Sicherung zeitnaher Übertragung </a:t>
+              <a:t>=&gt; damit keine Abhängigkeit der Event-auslösenden Transaktionen von externen Ressourcen wie TriXX-Applikation oder Kafka</a:t>
             </a:r>
           </a:p>
           <a:p>
@@ -23364,16 +23452,34 @@
               <a:rPr lang="de-DE" dirty="0">
                 <a:latin typeface="+mn-lt"/>
               </a:rPr>
-              <a:t>Generierung der Trigger auf Basis der per GUI erfassten Konfiguration im TriXX-Schema</a:t>
-            </a:r>
-          </a:p>
-          <a:p>
-            <a:pPr marL="374650" indent="-285750"/>
+              <a:t>Zur auslösenden Transaktion asynchrone Übertragung der Events aus Puffer-Tabelle nach Kafka</a:t>
+            </a:r>
+          </a:p>
+          <a:p>
+            <a:pPr marL="644525" lvl="1" indent="-285750"/>
             <a:r>
               <a:rPr lang="de-DE" dirty="0">
                 <a:latin typeface="+mn-lt"/>
               </a:rPr>
-              <a:t>Bereitstellung relevanter Funktionen als http-API zur Automatisierung von Abläufen </a:t>
+              <a:t>Skalierbare Anzahl paralleler Threads zur Sicherung zeitnaher Übertragung </a:t>
+            </a:r>
+          </a:p>
+          <a:p>
+            <a:pPr marL="374650" indent="-285750"/>
+            <a:r>
+              <a:rPr lang="de-DE" dirty="0">
+                <a:latin typeface="+mn-lt"/>
+              </a:rPr>
+              <a:t>Generierung der Trigger auf Basis der per GUI erfassten Konfiguration im TriXX-Schema</a:t>
+            </a:r>
+          </a:p>
+          <a:p>
+            <a:pPr marL="374650" indent="-285750"/>
+            <a:r>
+              <a:rPr lang="de-DE" dirty="0">
+                <a:latin typeface="+mn-lt"/>
+              </a:rPr>
+              <a:t>Bereitstellung relevanter Funktionen als Rest-API zur Automatisierung von Abläufen </a:t>
             </a:r>
           </a:p>
         </p:txBody>
